--- a/Week1_1.pptx
+++ b/Week1_1.pptx
@@ -2,7 +2,7 @@
 <file path=ppt/presentation.xml><?xml version="1.0" encoding="utf-8"?>
 <p:presentation xmlns:a="http://schemas.openxmlformats.org/drawingml/2006/main" xmlns:r="http://schemas.openxmlformats.org/officeDocument/2006/relationships" xmlns:p="http://schemas.openxmlformats.org/presentationml/2006/main" saveSubsetFonts="1">
   <p:sldMasterIdLst>
-    <p:sldMasterId id="2147483648" r:id="rId1"/>
+    <p:sldMasterId id="2147483708" r:id="rId1"/>
   </p:sldMasterIdLst>
   <p:sldIdLst>
     <p:sldId id="256" r:id="rId2"/>
@@ -15,10 +15,14 @@
     <p:sldId id="261" r:id="rId9"/>
     <p:sldId id="260" r:id="rId10"/>
     <p:sldId id="262" r:id="rId11"/>
-    <p:sldId id="269" r:id="rId12"/>
-    <p:sldId id="263" r:id="rId13"/>
-    <p:sldId id="264" r:id="rId14"/>
-    <p:sldId id="265" r:id="rId15"/>
+    <p:sldId id="263" r:id="rId12"/>
+    <p:sldId id="264" r:id="rId13"/>
+    <p:sldId id="273" r:id="rId14"/>
+    <p:sldId id="272" r:id="rId15"/>
+    <p:sldId id="265" r:id="rId16"/>
+    <p:sldId id="269" r:id="rId17"/>
+    <p:sldId id="271" r:id="rId18"/>
+    <p:sldId id="270" r:id="rId19"/>
   </p:sldIdLst>
   <p:sldSz cx="12192000" cy="6858000"/>
   <p:notesSz cx="6858000" cy="9144000"/>
@@ -147,7 +151,7 @@
           <p:cNvPr id="2" name="Title 1">
             <a:extLst>
               <a:ext uri="{FF2B5EF4-FFF2-40B4-BE49-F238E27FC236}">
-                <a16:creationId xmlns:a16="http://schemas.microsoft.com/office/drawing/2014/main" id="{824F8F43-56EF-376C-EAFB-86EC30490DCD}"/>
+                <a16:creationId xmlns:a16="http://schemas.microsoft.com/office/drawing/2014/main" id="{0E7D4A1E-5875-B2AA-B387-DB852579A680}"/>
               </a:ext>
             </a:extLst>
           </p:cNvPr>
@@ -184,7 +188,7 @@
           <p:cNvPr id="3" name="Subtitle 2">
             <a:extLst>
               <a:ext uri="{FF2B5EF4-FFF2-40B4-BE49-F238E27FC236}">
-                <a16:creationId xmlns:a16="http://schemas.microsoft.com/office/drawing/2014/main" id="{7296EDB4-5D34-E2EA-2DB8-86B2D3552490}"/>
+                <a16:creationId xmlns:a16="http://schemas.microsoft.com/office/drawing/2014/main" id="{55BF0B49-701F-5D79-BEE1-9A3630FE1E87}"/>
               </a:ext>
             </a:extLst>
           </p:cNvPr>
@@ -254,7 +258,7 @@
           <p:cNvPr id="4" name="Date Placeholder 3">
             <a:extLst>
               <a:ext uri="{FF2B5EF4-FFF2-40B4-BE49-F238E27FC236}">
-                <a16:creationId xmlns:a16="http://schemas.microsoft.com/office/drawing/2014/main" id="{38A3FEF1-7EC3-B538-B73A-B9BFC12113A3}"/>
+                <a16:creationId xmlns:a16="http://schemas.microsoft.com/office/drawing/2014/main" id="{D3149F7B-A182-EC91-45E8-1F32514B1052}"/>
               </a:ext>
             </a:extLst>
           </p:cNvPr>
@@ -283,7 +287,7 @@
           <p:cNvPr id="5" name="Footer Placeholder 4">
             <a:extLst>
               <a:ext uri="{FF2B5EF4-FFF2-40B4-BE49-F238E27FC236}">
-                <a16:creationId xmlns:a16="http://schemas.microsoft.com/office/drawing/2014/main" id="{42149A01-069F-47EE-34C2-B0DB3AE60D72}"/>
+                <a16:creationId xmlns:a16="http://schemas.microsoft.com/office/drawing/2014/main" id="{CE57E104-0FCA-F8DE-6BBC-EF4C6E710FB7}"/>
               </a:ext>
             </a:extLst>
           </p:cNvPr>
@@ -308,7 +312,7 @@
           <p:cNvPr id="6" name="Slide Number Placeholder 5">
             <a:extLst>
               <a:ext uri="{FF2B5EF4-FFF2-40B4-BE49-F238E27FC236}">
-                <a16:creationId xmlns:a16="http://schemas.microsoft.com/office/drawing/2014/main" id="{80106BFC-E2B2-08D5-CD70-4D42AA79FCB6}"/>
+                <a16:creationId xmlns:a16="http://schemas.microsoft.com/office/drawing/2014/main" id="{126B74D1-A340-07E3-AD40-47829B107A79}"/>
               </a:ext>
             </a:extLst>
           </p:cNvPr>
@@ -335,7 +339,7 @@
     </p:spTree>
     <p:extLst>
       <p:ext uri="{BB962C8B-B14F-4D97-AF65-F5344CB8AC3E}">
-        <p14:creationId xmlns:p14="http://schemas.microsoft.com/office/powerpoint/2010/main" val="2630139089"/>
+        <p14:creationId xmlns:p14="http://schemas.microsoft.com/office/powerpoint/2010/main" val="269664595"/>
       </p:ext>
     </p:extLst>
   </p:cSld>
@@ -367,7 +371,7 @@
           <p:cNvPr id="2" name="Title 1">
             <a:extLst>
               <a:ext uri="{FF2B5EF4-FFF2-40B4-BE49-F238E27FC236}">
-                <a16:creationId xmlns:a16="http://schemas.microsoft.com/office/drawing/2014/main" id="{E59750C5-08FA-864D-2744-3FD8A4715EE5}"/>
+                <a16:creationId xmlns:a16="http://schemas.microsoft.com/office/drawing/2014/main" id="{0BD9597B-F580-97BC-895F-11037B347A44}"/>
               </a:ext>
             </a:extLst>
           </p:cNvPr>
@@ -395,7 +399,7 @@
           <p:cNvPr id="3" name="Vertical Text Placeholder 2">
             <a:extLst>
               <a:ext uri="{FF2B5EF4-FFF2-40B4-BE49-F238E27FC236}">
-                <a16:creationId xmlns:a16="http://schemas.microsoft.com/office/drawing/2014/main" id="{CABCBA58-E55A-C3F6-79B9-A634D824E593}"/>
+                <a16:creationId xmlns:a16="http://schemas.microsoft.com/office/drawing/2014/main" id="{2F614C95-86EA-3003-F0DC-D4779E6982AC}"/>
               </a:ext>
             </a:extLst>
           </p:cNvPr>
@@ -452,7 +456,7 @@
           <p:cNvPr id="4" name="Date Placeholder 3">
             <a:extLst>
               <a:ext uri="{FF2B5EF4-FFF2-40B4-BE49-F238E27FC236}">
-                <a16:creationId xmlns:a16="http://schemas.microsoft.com/office/drawing/2014/main" id="{56AEE08A-7C1D-1915-5EC4-FAE8442C670D}"/>
+                <a16:creationId xmlns:a16="http://schemas.microsoft.com/office/drawing/2014/main" id="{E9DA6A33-E89A-EEEC-5D8D-E8C8C8A1A65D}"/>
               </a:ext>
             </a:extLst>
           </p:cNvPr>
@@ -481,7 +485,7 @@
           <p:cNvPr id="5" name="Footer Placeholder 4">
             <a:extLst>
               <a:ext uri="{FF2B5EF4-FFF2-40B4-BE49-F238E27FC236}">
-                <a16:creationId xmlns:a16="http://schemas.microsoft.com/office/drawing/2014/main" id="{5E347F8A-80C5-DE89-E36E-4A53345FF87E}"/>
+                <a16:creationId xmlns:a16="http://schemas.microsoft.com/office/drawing/2014/main" id="{0EDAD8E3-5E1D-DF17-67CA-86C28F1623B6}"/>
               </a:ext>
             </a:extLst>
           </p:cNvPr>
@@ -506,7 +510,7 @@
           <p:cNvPr id="6" name="Slide Number Placeholder 5">
             <a:extLst>
               <a:ext uri="{FF2B5EF4-FFF2-40B4-BE49-F238E27FC236}">
-                <a16:creationId xmlns:a16="http://schemas.microsoft.com/office/drawing/2014/main" id="{B5E8BBD5-CF65-B6DC-FCA0-80EB5AACDA42}"/>
+                <a16:creationId xmlns:a16="http://schemas.microsoft.com/office/drawing/2014/main" id="{3EC21CDC-0A43-BF50-F2EC-B34DBEEDC474}"/>
               </a:ext>
             </a:extLst>
           </p:cNvPr>
@@ -533,7 +537,7 @@
     </p:spTree>
     <p:extLst>
       <p:ext uri="{BB962C8B-B14F-4D97-AF65-F5344CB8AC3E}">
-        <p14:creationId xmlns:p14="http://schemas.microsoft.com/office/powerpoint/2010/main" val="3964970269"/>
+        <p14:creationId xmlns:p14="http://schemas.microsoft.com/office/powerpoint/2010/main" val="2025407426"/>
       </p:ext>
     </p:extLst>
   </p:cSld>
@@ -565,7 +569,7 @@
           <p:cNvPr id="2" name="Vertical Title 1">
             <a:extLst>
               <a:ext uri="{FF2B5EF4-FFF2-40B4-BE49-F238E27FC236}">
-                <a16:creationId xmlns:a16="http://schemas.microsoft.com/office/drawing/2014/main" id="{10D4B5F2-83B8-C86D-7A90-2B274D2A7007}"/>
+                <a16:creationId xmlns:a16="http://schemas.microsoft.com/office/drawing/2014/main" id="{069BAC11-24AC-1F42-0DAF-F0BA82F36FF4}"/>
               </a:ext>
             </a:extLst>
           </p:cNvPr>
@@ -598,7 +602,7 @@
           <p:cNvPr id="3" name="Vertical Text Placeholder 2">
             <a:extLst>
               <a:ext uri="{FF2B5EF4-FFF2-40B4-BE49-F238E27FC236}">
-                <a16:creationId xmlns:a16="http://schemas.microsoft.com/office/drawing/2014/main" id="{01C3761E-8CF6-C3AC-D513-4E7F852DB152}"/>
+                <a16:creationId xmlns:a16="http://schemas.microsoft.com/office/drawing/2014/main" id="{6548F324-B07B-66DC-CD56-99BA95CB73C6}"/>
               </a:ext>
             </a:extLst>
           </p:cNvPr>
@@ -660,7 +664,7 @@
           <p:cNvPr id="4" name="Date Placeholder 3">
             <a:extLst>
               <a:ext uri="{FF2B5EF4-FFF2-40B4-BE49-F238E27FC236}">
-                <a16:creationId xmlns:a16="http://schemas.microsoft.com/office/drawing/2014/main" id="{41DD16E9-0F2C-E156-C1B4-8FBD9BD5BEA9}"/>
+                <a16:creationId xmlns:a16="http://schemas.microsoft.com/office/drawing/2014/main" id="{94F9523D-B7C9-7EFE-E716-5120620EEE17}"/>
               </a:ext>
             </a:extLst>
           </p:cNvPr>
@@ -689,7 +693,7 @@
           <p:cNvPr id="5" name="Footer Placeholder 4">
             <a:extLst>
               <a:ext uri="{FF2B5EF4-FFF2-40B4-BE49-F238E27FC236}">
-                <a16:creationId xmlns:a16="http://schemas.microsoft.com/office/drawing/2014/main" id="{4A119B43-F131-6BC3-4273-F8FDEA7ED3CA}"/>
+                <a16:creationId xmlns:a16="http://schemas.microsoft.com/office/drawing/2014/main" id="{6169F0BB-EAE8-C183-4FFB-A960D84A69B6}"/>
               </a:ext>
             </a:extLst>
           </p:cNvPr>
@@ -714,7 +718,7 @@
           <p:cNvPr id="6" name="Slide Number Placeholder 5">
             <a:extLst>
               <a:ext uri="{FF2B5EF4-FFF2-40B4-BE49-F238E27FC236}">
-                <a16:creationId xmlns:a16="http://schemas.microsoft.com/office/drawing/2014/main" id="{8F5C8C23-03B9-9E7A-132D-15379697480F}"/>
+                <a16:creationId xmlns:a16="http://schemas.microsoft.com/office/drawing/2014/main" id="{33910736-7CE7-FDFC-6A2E-9BC0B30EC643}"/>
               </a:ext>
             </a:extLst>
           </p:cNvPr>
@@ -741,7 +745,7 @@
     </p:spTree>
     <p:extLst>
       <p:ext uri="{BB962C8B-B14F-4D97-AF65-F5344CB8AC3E}">
-        <p14:creationId xmlns:p14="http://schemas.microsoft.com/office/powerpoint/2010/main" val="1797605240"/>
+        <p14:creationId xmlns:p14="http://schemas.microsoft.com/office/powerpoint/2010/main" val="86910093"/>
       </p:ext>
     </p:extLst>
   </p:cSld>
@@ -773,7 +777,7 @@
           <p:cNvPr id="2" name="Title 1">
             <a:extLst>
               <a:ext uri="{FF2B5EF4-FFF2-40B4-BE49-F238E27FC236}">
-                <a16:creationId xmlns:a16="http://schemas.microsoft.com/office/drawing/2014/main" id="{691C6681-9177-AEC1-53FD-F264E069A909}"/>
+                <a16:creationId xmlns:a16="http://schemas.microsoft.com/office/drawing/2014/main" id="{1DDD1CCE-5C92-1555-F9B9-E05A8547CBCE}"/>
               </a:ext>
             </a:extLst>
           </p:cNvPr>
@@ -801,7 +805,7 @@
           <p:cNvPr id="3" name="Content Placeholder 2">
             <a:extLst>
               <a:ext uri="{FF2B5EF4-FFF2-40B4-BE49-F238E27FC236}">
-                <a16:creationId xmlns:a16="http://schemas.microsoft.com/office/drawing/2014/main" id="{28831B20-AC15-656F-56AB-D38A64429BFE}"/>
+                <a16:creationId xmlns:a16="http://schemas.microsoft.com/office/drawing/2014/main" id="{02D4D738-F05D-7CBB-DC36-B44991DA92CD}"/>
               </a:ext>
             </a:extLst>
           </p:cNvPr>
@@ -858,7 +862,7 @@
           <p:cNvPr id="4" name="Date Placeholder 3">
             <a:extLst>
               <a:ext uri="{FF2B5EF4-FFF2-40B4-BE49-F238E27FC236}">
-                <a16:creationId xmlns:a16="http://schemas.microsoft.com/office/drawing/2014/main" id="{3BB11A9B-934D-E5BA-0BC9-6E5ACEA9A247}"/>
+                <a16:creationId xmlns:a16="http://schemas.microsoft.com/office/drawing/2014/main" id="{EC20479D-8CC7-CAD1-44BE-AC4CE5780C1C}"/>
               </a:ext>
             </a:extLst>
           </p:cNvPr>
@@ -887,7 +891,7 @@
           <p:cNvPr id="5" name="Footer Placeholder 4">
             <a:extLst>
               <a:ext uri="{FF2B5EF4-FFF2-40B4-BE49-F238E27FC236}">
-                <a16:creationId xmlns:a16="http://schemas.microsoft.com/office/drawing/2014/main" id="{E5380B5F-7412-CA8D-B992-CAD94FFC8784}"/>
+                <a16:creationId xmlns:a16="http://schemas.microsoft.com/office/drawing/2014/main" id="{9DD37057-B02D-5E78-DF59-6491673D4159}"/>
               </a:ext>
             </a:extLst>
           </p:cNvPr>
@@ -912,7 +916,7 @@
           <p:cNvPr id="6" name="Slide Number Placeholder 5">
             <a:extLst>
               <a:ext uri="{FF2B5EF4-FFF2-40B4-BE49-F238E27FC236}">
-                <a16:creationId xmlns:a16="http://schemas.microsoft.com/office/drawing/2014/main" id="{914B10F3-04BD-83C4-2FCC-9FAB90CB255B}"/>
+                <a16:creationId xmlns:a16="http://schemas.microsoft.com/office/drawing/2014/main" id="{7E743673-C79F-9060-67E8-421718946BC4}"/>
               </a:ext>
             </a:extLst>
           </p:cNvPr>
@@ -939,7 +943,7 @@
     </p:spTree>
     <p:extLst>
       <p:ext uri="{BB962C8B-B14F-4D97-AF65-F5344CB8AC3E}">
-        <p14:creationId xmlns:p14="http://schemas.microsoft.com/office/powerpoint/2010/main" val="2136185836"/>
+        <p14:creationId xmlns:p14="http://schemas.microsoft.com/office/powerpoint/2010/main" val="1690711729"/>
       </p:ext>
     </p:extLst>
   </p:cSld>
@@ -971,7 +975,7 @@
           <p:cNvPr id="2" name="Title 1">
             <a:extLst>
               <a:ext uri="{FF2B5EF4-FFF2-40B4-BE49-F238E27FC236}">
-                <a16:creationId xmlns:a16="http://schemas.microsoft.com/office/drawing/2014/main" id="{9FC39822-EBA8-FEF7-9C49-0FBBB0494B41}"/>
+                <a16:creationId xmlns:a16="http://schemas.microsoft.com/office/drawing/2014/main" id="{E6556C81-57B2-F781-CA23-0AB082232E66}"/>
               </a:ext>
             </a:extLst>
           </p:cNvPr>
@@ -1008,7 +1012,7 @@
           <p:cNvPr id="3" name="Text Placeholder 2">
             <a:extLst>
               <a:ext uri="{FF2B5EF4-FFF2-40B4-BE49-F238E27FC236}">
-                <a16:creationId xmlns:a16="http://schemas.microsoft.com/office/drawing/2014/main" id="{3B5FDD3D-3838-AD32-2898-0A28C6B74E73}"/>
+                <a16:creationId xmlns:a16="http://schemas.microsoft.com/office/drawing/2014/main" id="{BDEF3E43-67ED-12E5-4A99-77B2A0EDCA5E}"/>
               </a:ext>
             </a:extLst>
           </p:cNvPr>
@@ -1133,7 +1137,7 @@
           <p:cNvPr id="4" name="Date Placeholder 3">
             <a:extLst>
               <a:ext uri="{FF2B5EF4-FFF2-40B4-BE49-F238E27FC236}">
-                <a16:creationId xmlns:a16="http://schemas.microsoft.com/office/drawing/2014/main" id="{06AB2A9E-F3B4-7678-BB62-826D8BB45D42}"/>
+                <a16:creationId xmlns:a16="http://schemas.microsoft.com/office/drawing/2014/main" id="{8B2438E4-BF56-7E56-046B-955D2B0213FF}"/>
               </a:ext>
             </a:extLst>
           </p:cNvPr>
@@ -1162,7 +1166,7 @@
           <p:cNvPr id="5" name="Footer Placeholder 4">
             <a:extLst>
               <a:ext uri="{FF2B5EF4-FFF2-40B4-BE49-F238E27FC236}">
-                <a16:creationId xmlns:a16="http://schemas.microsoft.com/office/drawing/2014/main" id="{8C39EF17-16D4-16D0-D9F2-03ED84994B6A}"/>
+                <a16:creationId xmlns:a16="http://schemas.microsoft.com/office/drawing/2014/main" id="{0DE5CA1A-D446-43A0-2C7B-D8631C868E17}"/>
               </a:ext>
             </a:extLst>
           </p:cNvPr>
@@ -1187,7 +1191,7 @@
           <p:cNvPr id="6" name="Slide Number Placeholder 5">
             <a:extLst>
               <a:ext uri="{FF2B5EF4-FFF2-40B4-BE49-F238E27FC236}">
-                <a16:creationId xmlns:a16="http://schemas.microsoft.com/office/drawing/2014/main" id="{AB17FEC8-0900-1CEA-D831-72E438EB3F4C}"/>
+                <a16:creationId xmlns:a16="http://schemas.microsoft.com/office/drawing/2014/main" id="{DD472E66-7528-36FA-1881-C7108488A7AB}"/>
               </a:ext>
             </a:extLst>
           </p:cNvPr>
@@ -1214,7 +1218,7 @@
     </p:spTree>
     <p:extLst>
       <p:ext uri="{BB962C8B-B14F-4D97-AF65-F5344CB8AC3E}">
-        <p14:creationId xmlns:p14="http://schemas.microsoft.com/office/powerpoint/2010/main" val="2721276755"/>
+        <p14:creationId xmlns:p14="http://schemas.microsoft.com/office/powerpoint/2010/main" val="2971819267"/>
       </p:ext>
     </p:extLst>
   </p:cSld>
@@ -1246,7 +1250,7 @@
           <p:cNvPr id="2" name="Title 1">
             <a:extLst>
               <a:ext uri="{FF2B5EF4-FFF2-40B4-BE49-F238E27FC236}">
-                <a16:creationId xmlns:a16="http://schemas.microsoft.com/office/drawing/2014/main" id="{49A47582-5B73-113E-7AE4-8CB4D18A31BC}"/>
+                <a16:creationId xmlns:a16="http://schemas.microsoft.com/office/drawing/2014/main" id="{1F9F1D1E-5CBB-D3D4-AFB4-DB5505CC04C5}"/>
               </a:ext>
             </a:extLst>
           </p:cNvPr>
@@ -1274,7 +1278,7 @@
           <p:cNvPr id="3" name="Content Placeholder 2">
             <a:extLst>
               <a:ext uri="{FF2B5EF4-FFF2-40B4-BE49-F238E27FC236}">
-                <a16:creationId xmlns:a16="http://schemas.microsoft.com/office/drawing/2014/main" id="{CD275E55-A459-1B77-2182-79DA4606F21D}"/>
+                <a16:creationId xmlns:a16="http://schemas.microsoft.com/office/drawing/2014/main" id="{658CA648-96D7-61F1-9112-B26F4AD64DA3}"/>
               </a:ext>
             </a:extLst>
           </p:cNvPr>
@@ -1336,7 +1340,7 @@
           <p:cNvPr id="4" name="Content Placeholder 3">
             <a:extLst>
               <a:ext uri="{FF2B5EF4-FFF2-40B4-BE49-F238E27FC236}">
-                <a16:creationId xmlns:a16="http://schemas.microsoft.com/office/drawing/2014/main" id="{22C4B24A-85C4-8BDE-2F1D-CFE0497627CE}"/>
+                <a16:creationId xmlns:a16="http://schemas.microsoft.com/office/drawing/2014/main" id="{12142555-6B21-0DF4-A772-C8C237F655F4}"/>
               </a:ext>
             </a:extLst>
           </p:cNvPr>
@@ -1398,7 +1402,7 @@
           <p:cNvPr id="5" name="Date Placeholder 4">
             <a:extLst>
               <a:ext uri="{FF2B5EF4-FFF2-40B4-BE49-F238E27FC236}">
-                <a16:creationId xmlns:a16="http://schemas.microsoft.com/office/drawing/2014/main" id="{F24533A0-33F9-9276-85EE-B7048FE0D1EE}"/>
+                <a16:creationId xmlns:a16="http://schemas.microsoft.com/office/drawing/2014/main" id="{01F59ECA-DFE8-51B5-9D4A-C1A5355CF541}"/>
               </a:ext>
             </a:extLst>
           </p:cNvPr>
@@ -1427,7 +1431,7 @@
           <p:cNvPr id="6" name="Footer Placeholder 5">
             <a:extLst>
               <a:ext uri="{FF2B5EF4-FFF2-40B4-BE49-F238E27FC236}">
-                <a16:creationId xmlns:a16="http://schemas.microsoft.com/office/drawing/2014/main" id="{B01AE0B0-03F0-BF14-DCD6-6172D3E02EF2}"/>
+                <a16:creationId xmlns:a16="http://schemas.microsoft.com/office/drawing/2014/main" id="{CFE176BF-25C2-3847-2CEB-354CEEF2600E}"/>
               </a:ext>
             </a:extLst>
           </p:cNvPr>
@@ -1452,7 +1456,7 @@
           <p:cNvPr id="7" name="Slide Number Placeholder 6">
             <a:extLst>
               <a:ext uri="{FF2B5EF4-FFF2-40B4-BE49-F238E27FC236}">
-                <a16:creationId xmlns:a16="http://schemas.microsoft.com/office/drawing/2014/main" id="{BF76A394-AF65-E634-32D9-F9B913ADDF7F}"/>
+                <a16:creationId xmlns:a16="http://schemas.microsoft.com/office/drawing/2014/main" id="{6F7D644F-B184-1088-EB4D-40BDF0ACF63D}"/>
               </a:ext>
             </a:extLst>
           </p:cNvPr>
@@ -1479,7 +1483,7 @@
     </p:spTree>
     <p:extLst>
       <p:ext uri="{BB962C8B-B14F-4D97-AF65-F5344CB8AC3E}">
-        <p14:creationId xmlns:p14="http://schemas.microsoft.com/office/powerpoint/2010/main" val="1191824642"/>
+        <p14:creationId xmlns:p14="http://schemas.microsoft.com/office/powerpoint/2010/main" val="1280686611"/>
       </p:ext>
     </p:extLst>
   </p:cSld>
@@ -1511,7 +1515,7 @@
           <p:cNvPr id="2" name="Title 1">
             <a:extLst>
               <a:ext uri="{FF2B5EF4-FFF2-40B4-BE49-F238E27FC236}">
-                <a16:creationId xmlns:a16="http://schemas.microsoft.com/office/drawing/2014/main" id="{E6518336-B7B9-4B81-565D-F206A8C53B42}"/>
+                <a16:creationId xmlns:a16="http://schemas.microsoft.com/office/drawing/2014/main" id="{E87F2D4F-AADA-DBE6-53DC-D59C8DADBA67}"/>
               </a:ext>
             </a:extLst>
           </p:cNvPr>
@@ -1544,7 +1548,7 @@
           <p:cNvPr id="3" name="Text Placeholder 2">
             <a:extLst>
               <a:ext uri="{FF2B5EF4-FFF2-40B4-BE49-F238E27FC236}">
-                <a16:creationId xmlns:a16="http://schemas.microsoft.com/office/drawing/2014/main" id="{DC734BE9-A742-EA4F-BF20-5F3F29F23327}"/>
+                <a16:creationId xmlns:a16="http://schemas.microsoft.com/office/drawing/2014/main" id="{E6FC4FA1-F1DD-E05B-5366-11279A086A83}"/>
               </a:ext>
             </a:extLst>
           </p:cNvPr>
@@ -1615,7 +1619,7 @@
           <p:cNvPr id="4" name="Content Placeholder 3">
             <a:extLst>
               <a:ext uri="{FF2B5EF4-FFF2-40B4-BE49-F238E27FC236}">
-                <a16:creationId xmlns:a16="http://schemas.microsoft.com/office/drawing/2014/main" id="{A726B338-7B7E-BC28-6D71-875F71EDD370}"/>
+                <a16:creationId xmlns:a16="http://schemas.microsoft.com/office/drawing/2014/main" id="{74BCA616-A31A-0B0E-FFD4-D38D6F4F3893}"/>
               </a:ext>
             </a:extLst>
           </p:cNvPr>
@@ -1677,7 +1681,7 @@
           <p:cNvPr id="5" name="Text Placeholder 4">
             <a:extLst>
               <a:ext uri="{FF2B5EF4-FFF2-40B4-BE49-F238E27FC236}">
-                <a16:creationId xmlns:a16="http://schemas.microsoft.com/office/drawing/2014/main" id="{2095BEB1-F267-961A-04BD-12532DCC809D}"/>
+                <a16:creationId xmlns:a16="http://schemas.microsoft.com/office/drawing/2014/main" id="{CEE96780-44D9-385C-9F25-F43AA9B375BE}"/>
               </a:ext>
             </a:extLst>
           </p:cNvPr>
@@ -1748,7 +1752,7 @@
           <p:cNvPr id="6" name="Content Placeholder 5">
             <a:extLst>
               <a:ext uri="{FF2B5EF4-FFF2-40B4-BE49-F238E27FC236}">
-                <a16:creationId xmlns:a16="http://schemas.microsoft.com/office/drawing/2014/main" id="{FD89014A-1925-5CD1-39D4-25213FE447A6}"/>
+                <a16:creationId xmlns:a16="http://schemas.microsoft.com/office/drawing/2014/main" id="{3B211AC3-2131-DF04-1E36-7659A4BEA2ED}"/>
               </a:ext>
             </a:extLst>
           </p:cNvPr>
@@ -1810,7 +1814,7 @@
           <p:cNvPr id="7" name="Date Placeholder 6">
             <a:extLst>
               <a:ext uri="{FF2B5EF4-FFF2-40B4-BE49-F238E27FC236}">
-                <a16:creationId xmlns:a16="http://schemas.microsoft.com/office/drawing/2014/main" id="{A7B022B9-88CC-BB79-3352-AE5CE7623E91}"/>
+                <a16:creationId xmlns:a16="http://schemas.microsoft.com/office/drawing/2014/main" id="{E4E8678D-D2B8-B1A5-EBEB-E68279F05229}"/>
               </a:ext>
             </a:extLst>
           </p:cNvPr>
@@ -1839,7 +1843,7 @@
           <p:cNvPr id="8" name="Footer Placeholder 7">
             <a:extLst>
               <a:ext uri="{FF2B5EF4-FFF2-40B4-BE49-F238E27FC236}">
-                <a16:creationId xmlns:a16="http://schemas.microsoft.com/office/drawing/2014/main" id="{7C050973-DD4F-37BB-6AAC-EE7FAF0B82F2}"/>
+                <a16:creationId xmlns:a16="http://schemas.microsoft.com/office/drawing/2014/main" id="{D80386EE-282A-9703-1CE9-1E698776D4D4}"/>
               </a:ext>
             </a:extLst>
           </p:cNvPr>
@@ -1864,7 +1868,7 @@
           <p:cNvPr id="9" name="Slide Number Placeholder 8">
             <a:extLst>
               <a:ext uri="{FF2B5EF4-FFF2-40B4-BE49-F238E27FC236}">
-                <a16:creationId xmlns:a16="http://schemas.microsoft.com/office/drawing/2014/main" id="{86F4593C-70B9-A821-6C78-7002C52ECACE}"/>
+                <a16:creationId xmlns:a16="http://schemas.microsoft.com/office/drawing/2014/main" id="{BB6A13FC-9D4C-E05F-0EF1-723CD8FFC185}"/>
               </a:ext>
             </a:extLst>
           </p:cNvPr>
@@ -1891,7 +1895,7 @@
     </p:spTree>
     <p:extLst>
       <p:ext uri="{BB962C8B-B14F-4D97-AF65-F5344CB8AC3E}">
-        <p14:creationId xmlns:p14="http://schemas.microsoft.com/office/powerpoint/2010/main" val="1406415717"/>
+        <p14:creationId xmlns:p14="http://schemas.microsoft.com/office/powerpoint/2010/main" val="2257635984"/>
       </p:ext>
     </p:extLst>
   </p:cSld>
@@ -1923,7 +1927,7 @@
           <p:cNvPr id="2" name="Title 1">
             <a:extLst>
               <a:ext uri="{FF2B5EF4-FFF2-40B4-BE49-F238E27FC236}">
-                <a16:creationId xmlns:a16="http://schemas.microsoft.com/office/drawing/2014/main" id="{09C22517-7BB6-7D30-A3A9-B7A3DCC6CA50}"/>
+                <a16:creationId xmlns:a16="http://schemas.microsoft.com/office/drawing/2014/main" id="{9973F904-C126-C1DD-B0A1-D8F3D97098B7}"/>
               </a:ext>
             </a:extLst>
           </p:cNvPr>
@@ -1951,7 +1955,7 @@
           <p:cNvPr id="3" name="Date Placeholder 2">
             <a:extLst>
               <a:ext uri="{FF2B5EF4-FFF2-40B4-BE49-F238E27FC236}">
-                <a16:creationId xmlns:a16="http://schemas.microsoft.com/office/drawing/2014/main" id="{CC206D0D-B948-B57A-4CFB-4696C49DB3C5}"/>
+                <a16:creationId xmlns:a16="http://schemas.microsoft.com/office/drawing/2014/main" id="{3AD9EC74-E2AD-6A70-EA7B-7DB2DF2009DA}"/>
               </a:ext>
             </a:extLst>
           </p:cNvPr>
@@ -1980,7 +1984,7 @@
           <p:cNvPr id="4" name="Footer Placeholder 3">
             <a:extLst>
               <a:ext uri="{FF2B5EF4-FFF2-40B4-BE49-F238E27FC236}">
-                <a16:creationId xmlns:a16="http://schemas.microsoft.com/office/drawing/2014/main" id="{274EF8CC-E8B2-1738-C288-709EEAD27B71}"/>
+                <a16:creationId xmlns:a16="http://schemas.microsoft.com/office/drawing/2014/main" id="{2ED56A7D-6CB3-E139-6EF0-E4C46BF1B5F8}"/>
               </a:ext>
             </a:extLst>
           </p:cNvPr>
@@ -2005,7 +2009,7 @@
           <p:cNvPr id="5" name="Slide Number Placeholder 4">
             <a:extLst>
               <a:ext uri="{FF2B5EF4-FFF2-40B4-BE49-F238E27FC236}">
-                <a16:creationId xmlns:a16="http://schemas.microsoft.com/office/drawing/2014/main" id="{58D4EC88-C609-81DF-8F3F-B1CF1AE5948E}"/>
+                <a16:creationId xmlns:a16="http://schemas.microsoft.com/office/drawing/2014/main" id="{97B24407-9A2C-594E-D52E-48E4168F4148}"/>
               </a:ext>
             </a:extLst>
           </p:cNvPr>
@@ -2032,7 +2036,7 @@
     </p:spTree>
     <p:extLst>
       <p:ext uri="{BB962C8B-B14F-4D97-AF65-F5344CB8AC3E}">
-        <p14:creationId xmlns:p14="http://schemas.microsoft.com/office/powerpoint/2010/main" val="3531264951"/>
+        <p14:creationId xmlns:p14="http://schemas.microsoft.com/office/powerpoint/2010/main" val="936059164"/>
       </p:ext>
     </p:extLst>
   </p:cSld>
@@ -2064,7 +2068,7 @@
           <p:cNvPr id="2" name="Date Placeholder 1">
             <a:extLst>
               <a:ext uri="{FF2B5EF4-FFF2-40B4-BE49-F238E27FC236}">
-                <a16:creationId xmlns:a16="http://schemas.microsoft.com/office/drawing/2014/main" id="{A8FC6E20-7C34-B356-FBF1-338DC3D312EF}"/>
+                <a16:creationId xmlns:a16="http://schemas.microsoft.com/office/drawing/2014/main" id="{8A4D00BB-3634-E8DE-502B-E491E4BFECD1}"/>
               </a:ext>
             </a:extLst>
           </p:cNvPr>
@@ -2093,7 +2097,7 @@
           <p:cNvPr id="3" name="Footer Placeholder 2">
             <a:extLst>
               <a:ext uri="{FF2B5EF4-FFF2-40B4-BE49-F238E27FC236}">
-                <a16:creationId xmlns:a16="http://schemas.microsoft.com/office/drawing/2014/main" id="{9505EAAD-D5D0-A1F4-085E-75310BE5ED87}"/>
+                <a16:creationId xmlns:a16="http://schemas.microsoft.com/office/drawing/2014/main" id="{47AB2B23-5083-D3C2-CEBE-EFA687614C8A}"/>
               </a:ext>
             </a:extLst>
           </p:cNvPr>
@@ -2118,7 +2122,7 @@
           <p:cNvPr id="4" name="Slide Number Placeholder 3">
             <a:extLst>
               <a:ext uri="{FF2B5EF4-FFF2-40B4-BE49-F238E27FC236}">
-                <a16:creationId xmlns:a16="http://schemas.microsoft.com/office/drawing/2014/main" id="{81911C7B-C8C1-109A-55A6-8BBC07DB05DF}"/>
+                <a16:creationId xmlns:a16="http://schemas.microsoft.com/office/drawing/2014/main" id="{1253E733-22EE-7A12-DF66-3FF80E386926}"/>
               </a:ext>
             </a:extLst>
           </p:cNvPr>
@@ -2145,7 +2149,7 @@
     </p:spTree>
     <p:extLst>
       <p:ext uri="{BB962C8B-B14F-4D97-AF65-F5344CB8AC3E}">
-        <p14:creationId xmlns:p14="http://schemas.microsoft.com/office/powerpoint/2010/main" val="1590945928"/>
+        <p14:creationId xmlns:p14="http://schemas.microsoft.com/office/powerpoint/2010/main" val="3570124775"/>
       </p:ext>
     </p:extLst>
   </p:cSld>
@@ -2177,7 +2181,7 @@
           <p:cNvPr id="2" name="Title 1">
             <a:extLst>
               <a:ext uri="{FF2B5EF4-FFF2-40B4-BE49-F238E27FC236}">
-                <a16:creationId xmlns:a16="http://schemas.microsoft.com/office/drawing/2014/main" id="{3B85C932-5A6A-F63D-CC0F-22A676F23596}"/>
+                <a16:creationId xmlns:a16="http://schemas.microsoft.com/office/drawing/2014/main" id="{4D69D7FB-3402-DA0B-7B12-2FC0D3AF9F7D}"/>
               </a:ext>
             </a:extLst>
           </p:cNvPr>
@@ -2214,7 +2218,7 @@
           <p:cNvPr id="3" name="Content Placeholder 2">
             <a:extLst>
               <a:ext uri="{FF2B5EF4-FFF2-40B4-BE49-F238E27FC236}">
-                <a16:creationId xmlns:a16="http://schemas.microsoft.com/office/drawing/2014/main" id="{0C852F48-CF8B-8EB2-C0D7-1B9FCA93FA88}"/>
+                <a16:creationId xmlns:a16="http://schemas.microsoft.com/office/drawing/2014/main" id="{B61E8EFF-DD0B-62D6-7348-3787F0A5C0D9}"/>
               </a:ext>
             </a:extLst>
           </p:cNvPr>
@@ -2304,7 +2308,7 @@
           <p:cNvPr id="4" name="Text Placeholder 3">
             <a:extLst>
               <a:ext uri="{FF2B5EF4-FFF2-40B4-BE49-F238E27FC236}">
-                <a16:creationId xmlns:a16="http://schemas.microsoft.com/office/drawing/2014/main" id="{2613AABD-B43B-69FA-91A5-FDE18FE0F305}"/>
+                <a16:creationId xmlns:a16="http://schemas.microsoft.com/office/drawing/2014/main" id="{16C9F712-C897-2BB7-9ED3-C84FB04246A6}"/>
               </a:ext>
             </a:extLst>
           </p:cNvPr>
@@ -2375,7 +2379,7 @@
           <p:cNvPr id="5" name="Date Placeholder 4">
             <a:extLst>
               <a:ext uri="{FF2B5EF4-FFF2-40B4-BE49-F238E27FC236}">
-                <a16:creationId xmlns:a16="http://schemas.microsoft.com/office/drawing/2014/main" id="{CED24FA6-434C-69B1-2121-F248BCE0CC6E}"/>
+                <a16:creationId xmlns:a16="http://schemas.microsoft.com/office/drawing/2014/main" id="{7239D8BC-0678-35BD-717A-E8944E548750}"/>
               </a:ext>
             </a:extLst>
           </p:cNvPr>
@@ -2404,7 +2408,7 @@
           <p:cNvPr id="6" name="Footer Placeholder 5">
             <a:extLst>
               <a:ext uri="{FF2B5EF4-FFF2-40B4-BE49-F238E27FC236}">
-                <a16:creationId xmlns:a16="http://schemas.microsoft.com/office/drawing/2014/main" id="{00701734-E46E-9E05-191B-7DC4FBBB50A7}"/>
+                <a16:creationId xmlns:a16="http://schemas.microsoft.com/office/drawing/2014/main" id="{8883463F-B3FD-4276-61F0-D2219AF072F1}"/>
               </a:ext>
             </a:extLst>
           </p:cNvPr>
@@ -2429,7 +2433,7 @@
           <p:cNvPr id="7" name="Slide Number Placeholder 6">
             <a:extLst>
               <a:ext uri="{FF2B5EF4-FFF2-40B4-BE49-F238E27FC236}">
-                <a16:creationId xmlns:a16="http://schemas.microsoft.com/office/drawing/2014/main" id="{DFD4E89B-DADA-8EAB-A175-FF301A11C9EB}"/>
+                <a16:creationId xmlns:a16="http://schemas.microsoft.com/office/drawing/2014/main" id="{DE432DAD-CE81-8DDB-1DE1-B9EEC2FC8EC9}"/>
               </a:ext>
             </a:extLst>
           </p:cNvPr>
@@ -2456,7 +2460,7 @@
     </p:spTree>
     <p:extLst>
       <p:ext uri="{BB962C8B-B14F-4D97-AF65-F5344CB8AC3E}">
-        <p14:creationId xmlns:p14="http://schemas.microsoft.com/office/powerpoint/2010/main" val="3444654706"/>
+        <p14:creationId xmlns:p14="http://schemas.microsoft.com/office/powerpoint/2010/main" val="2536347663"/>
       </p:ext>
     </p:extLst>
   </p:cSld>
@@ -2488,7 +2492,7 @@
           <p:cNvPr id="2" name="Title 1">
             <a:extLst>
               <a:ext uri="{FF2B5EF4-FFF2-40B4-BE49-F238E27FC236}">
-                <a16:creationId xmlns:a16="http://schemas.microsoft.com/office/drawing/2014/main" id="{B0C25B78-5040-01B5-3EED-689AD8842769}"/>
+                <a16:creationId xmlns:a16="http://schemas.microsoft.com/office/drawing/2014/main" id="{CBDE9C9B-6D4B-C7FD-BC7E-8AD728438F88}"/>
               </a:ext>
             </a:extLst>
           </p:cNvPr>
@@ -2525,7 +2529,7 @@
           <p:cNvPr id="3" name="Picture Placeholder 2">
             <a:extLst>
               <a:ext uri="{FF2B5EF4-FFF2-40B4-BE49-F238E27FC236}">
-                <a16:creationId xmlns:a16="http://schemas.microsoft.com/office/drawing/2014/main" id="{2A16B9B1-5277-DACE-C93E-EC0A5015E2F8}"/>
+                <a16:creationId xmlns:a16="http://schemas.microsoft.com/office/drawing/2014/main" id="{CF34EDE0-C6A5-85CB-DDD6-D83264C2B259}"/>
               </a:ext>
             </a:extLst>
           </p:cNvPr>
@@ -2592,7 +2596,7 @@
           <p:cNvPr id="4" name="Text Placeholder 3">
             <a:extLst>
               <a:ext uri="{FF2B5EF4-FFF2-40B4-BE49-F238E27FC236}">
-                <a16:creationId xmlns:a16="http://schemas.microsoft.com/office/drawing/2014/main" id="{0471DB12-53B4-2AAA-2361-19139D20CCB5}"/>
+                <a16:creationId xmlns:a16="http://schemas.microsoft.com/office/drawing/2014/main" id="{21FB0DB4-EF5C-42E4-3650-2926DAF53362}"/>
               </a:ext>
             </a:extLst>
           </p:cNvPr>
@@ -2663,7 +2667,7 @@
           <p:cNvPr id="5" name="Date Placeholder 4">
             <a:extLst>
               <a:ext uri="{FF2B5EF4-FFF2-40B4-BE49-F238E27FC236}">
-                <a16:creationId xmlns:a16="http://schemas.microsoft.com/office/drawing/2014/main" id="{918D48A1-1D4E-7140-38BC-BBDD5462CAC1}"/>
+                <a16:creationId xmlns:a16="http://schemas.microsoft.com/office/drawing/2014/main" id="{EFE49A1E-226C-B834-814E-54BA201974BC}"/>
               </a:ext>
             </a:extLst>
           </p:cNvPr>
@@ -2692,7 +2696,7 @@
           <p:cNvPr id="6" name="Footer Placeholder 5">
             <a:extLst>
               <a:ext uri="{FF2B5EF4-FFF2-40B4-BE49-F238E27FC236}">
-                <a16:creationId xmlns:a16="http://schemas.microsoft.com/office/drawing/2014/main" id="{83CBD444-C1AD-7DBF-C3C4-EFFEB9F567E8}"/>
+                <a16:creationId xmlns:a16="http://schemas.microsoft.com/office/drawing/2014/main" id="{7A666B1F-F639-A7D6-7CCE-FFA1F9247E1C}"/>
               </a:ext>
             </a:extLst>
           </p:cNvPr>
@@ -2717,7 +2721,7 @@
           <p:cNvPr id="7" name="Slide Number Placeholder 6">
             <a:extLst>
               <a:ext uri="{FF2B5EF4-FFF2-40B4-BE49-F238E27FC236}">
-                <a16:creationId xmlns:a16="http://schemas.microsoft.com/office/drawing/2014/main" id="{3B781E0E-7E0A-4E08-B50D-0A6B0B5583D6}"/>
+                <a16:creationId xmlns:a16="http://schemas.microsoft.com/office/drawing/2014/main" id="{43CCF746-E320-9F9C-B3DE-ABA56A865186}"/>
               </a:ext>
             </a:extLst>
           </p:cNvPr>
@@ -2744,7 +2748,7 @@
     </p:spTree>
     <p:extLst>
       <p:ext uri="{BB962C8B-B14F-4D97-AF65-F5344CB8AC3E}">
-        <p14:creationId xmlns:p14="http://schemas.microsoft.com/office/powerpoint/2010/main" val="1153153170"/>
+        <p14:creationId xmlns:p14="http://schemas.microsoft.com/office/powerpoint/2010/main" val="3155308019"/>
       </p:ext>
     </p:extLst>
   </p:cSld>
@@ -2781,7 +2785,7 @@
           <p:cNvPr id="2" name="Title Placeholder 1">
             <a:extLst>
               <a:ext uri="{FF2B5EF4-FFF2-40B4-BE49-F238E27FC236}">
-                <a16:creationId xmlns:a16="http://schemas.microsoft.com/office/drawing/2014/main" id="{E41F799C-BC44-A175-5347-F8B98DA3C8F5}"/>
+                <a16:creationId xmlns:a16="http://schemas.microsoft.com/office/drawing/2014/main" id="{0EDF3DDF-E268-90CD-E238-E1852D612879}"/>
               </a:ext>
             </a:extLst>
           </p:cNvPr>
@@ -2819,7 +2823,7 @@
           <p:cNvPr id="3" name="Text Placeholder 2">
             <a:extLst>
               <a:ext uri="{FF2B5EF4-FFF2-40B4-BE49-F238E27FC236}">
-                <a16:creationId xmlns:a16="http://schemas.microsoft.com/office/drawing/2014/main" id="{5DB0A592-99CC-B257-C0CB-5D14DBCFF8A2}"/>
+                <a16:creationId xmlns:a16="http://schemas.microsoft.com/office/drawing/2014/main" id="{B112079C-17BC-E80B-0AA9-4C124863E5C9}"/>
               </a:ext>
             </a:extLst>
           </p:cNvPr>
@@ -2886,7 +2890,7 @@
           <p:cNvPr id="4" name="Date Placeholder 3">
             <a:extLst>
               <a:ext uri="{FF2B5EF4-FFF2-40B4-BE49-F238E27FC236}">
-                <a16:creationId xmlns:a16="http://schemas.microsoft.com/office/drawing/2014/main" id="{FDB6FE20-3537-5FB8-D5D8-C4ED8133E99E}"/>
+                <a16:creationId xmlns:a16="http://schemas.microsoft.com/office/drawing/2014/main" id="{F63BBD2E-B35A-0D6F-6747-BB74B1583CDB}"/>
               </a:ext>
             </a:extLst>
           </p:cNvPr>
@@ -2933,7 +2937,7 @@
           <p:cNvPr id="5" name="Footer Placeholder 4">
             <a:extLst>
               <a:ext uri="{FF2B5EF4-FFF2-40B4-BE49-F238E27FC236}">
-                <a16:creationId xmlns:a16="http://schemas.microsoft.com/office/drawing/2014/main" id="{F8BA472C-1258-9915-4AD3-86422348C3B6}"/>
+                <a16:creationId xmlns:a16="http://schemas.microsoft.com/office/drawing/2014/main" id="{25BA2A64-C5C2-BA40-8AB5-C67F0888B764}"/>
               </a:ext>
             </a:extLst>
           </p:cNvPr>
@@ -2976,7 +2980,7 @@
           <p:cNvPr id="6" name="Slide Number Placeholder 5">
             <a:extLst>
               <a:ext uri="{FF2B5EF4-FFF2-40B4-BE49-F238E27FC236}">
-                <a16:creationId xmlns:a16="http://schemas.microsoft.com/office/drawing/2014/main" id="{4AF82816-63A9-DE2A-C969-4E5DC629C382}"/>
+                <a16:creationId xmlns:a16="http://schemas.microsoft.com/office/drawing/2014/main" id="{54A96CF1-CFF4-50A0-9706-04AC3554AE82}"/>
               </a:ext>
             </a:extLst>
           </p:cNvPr>
@@ -3021,23 +3025,23 @@
     </p:spTree>
     <p:extLst>
       <p:ext uri="{BB962C8B-B14F-4D97-AF65-F5344CB8AC3E}">
-        <p14:creationId xmlns:p14="http://schemas.microsoft.com/office/powerpoint/2010/main" val="2968048377"/>
+        <p14:creationId xmlns:p14="http://schemas.microsoft.com/office/powerpoint/2010/main" val="3347369123"/>
       </p:ext>
     </p:extLst>
   </p:cSld>
   <p:clrMap bg1="lt1" tx1="dk1" bg2="lt2" tx2="dk2" accent1="accent1" accent2="accent2" accent3="accent3" accent4="accent4" accent5="accent5" accent6="accent6" hlink="hlink" folHlink="folHlink"/>
   <p:sldLayoutIdLst>
-    <p:sldLayoutId id="2147483649" r:id="rId1"/>
-    <p:sldLayoutId id="2147483650" r:id="rId2"/>
-    <p:sldLayoutId id="2147483651" r:id="rId3"/>
-    <p:sldLayoutId id="2147483652" r:id="rId4"/>
-    <p:sldLayoutId id="2147483653" r:id="rId5"/>
-    <p:sldLayoutId id="2147483654" r:id="rId6"/>
-    <p:sldLayoutId id="2147483655" r:id="rId7"/>
-    <p:sldLayoutId id="2147483656" r:id="rId8"/>
-    <p:sldLayoutId id="2147483657" r:id="rId9"/>
-    <p:sldLayoutId id="2147483658" r:id="rId10"/>
-    <p:sldLayoutId id="2147483659" r:id="rId11"/>
+    <p:sldLayoutId id="2147483709" r:id="rId1"/>
+    <p:sldLayoutId id="2147483710" r:id="rId2"/>
+    <p:sldLayoutId id="2147483711" r:id="rId3"/>
+    <p:sldLayoutId id="2147483712" r:id="rId4"/>
+    <p:sldLayoutId id="2147483713" r:id="rId5"/>
+    <p:sldLayoutId id="2147483714" r:id="rId6"/>
+    <p:sldLayoutId id="2147483715" r:id="rId7"/>
+    <p:sldLayoutId id="2147483716" r:id="rId8"/>
+    <p:sldLayoutId id="2147483717" r:id="rId9"/>
+    <p:sldLayoutId id="2147483718" r:id="rId10"/>
+    <p:sldLayoutId id="2147483719" r:id="rId11"/>
   </p:sldLayoutIdLst>
   <p:txStyles>
     <p:titleStyle>
@@ -3390,8 +3394,13 @@
           <a:p>
             <a:r>
               <a:rPr lang="en-US" dirty="0"/>
-              <a:t>NMU - Week 1</a:t>
-            </a:r>
+              <a:t>NMU - </a:t>
+            </a:r>
+            <a:r>
+              <a:rPr lang="en-US"/>
+              <a:t>Week 1_1</a:t>
+            </a:r>
+            <a:endParaRPr lang="en-US" dirty="0"/>
           </a:p>
         </p:txBody>
       </p:sp>
@@ -3540,7 +3549,7 @@
           <p:cNvPr id="2" name="Title 1">
             <a:extLst>
               <a:ext uri="{FF2B5EF4-FFF2-40B4-BE49-F238E27FC236}">
-                <a16:creationId xmlns:a16="http://schemas.microsoft.com/office/drawing/2014/main" id="{A0D07FE8-058E-25C9-EF43-E40DBC26C096}"/>
+                <a16:creationId xmlns:a16="http://schemas.microsoft.com/office/drawing/2014/main" id="{892ABFE7-9B25-A53E-6670-A8ADA14834EF}"/>
               </a:ext>
             </a:extLst>
           </p:cNvPr>
@@ -3556,69 +3565,149 @@
           <a:bodyPr/>
           <a:lstStyle/>
           <a:p>
+            <a:r>
+              <a:rPr lang="en-US" dirty="0"/>
+              <a:t>Sorting problem</a:t>
+            </a:r>
+          </a:p>
+        </p:txBody>
+      </p:sp>
+      <p:sp>
+        <p:nvSpPr>
+          <p:cNvPr id="3" name="Content Placeholder 2">
+            <a:extLst>
+              <a:ext uri="{FF2B5EF4-FFF2-40B4-BE49-F238E27FC236}">
+                <a16:creationId xmlns:a16="http://schemas.microsoft.com/office/drawing/2014/main" id="{8CCED465-BC4C-7CB7-7506-DA5A9C73255A}"/>
+              </a:ext>
+            </a:extLst>
+          </p:cNvPr>
+          <p:cNvSpPr>
+            <a:spLocks noGrp="1"/>
+          </p:cNvSpPr>
+          <p:nvPr>
+            <p:ph idx="1"/>
+          </p:nvPr>
+        </p:nvSpPr>
+        <p:spPr/>
+        <p:txBody>
+          <a:bodyPr>
+            <a:normAutofit/>
+          </a:bodyPr>
+          <a:lstStyle/>
+          <a:p>
+            <a:pPr algn="l"/>
+            <a:endParaRPr lang="en-US" sz="2000" b="0" i="0" u="none" strike="noStrike" baseline="0" dirty="0">
+              <a:solidFill>
+                <a:srgbClr val="000000"/>
+              </a:solidFill>
+              <a:latin typeface="Calibri" panose="020F0502020204030204" pitchFamily="34" charset="0"/>
+            </a:endParaRPr>
+          </a:p>
+          <a:p>
+            <a:pPr marR="75300" algn="just"/>
+            <a:r>
+              <a:rPr lang="en-US" sz="2400" b="0" i="0" u="none" strike="noStrike" baseline="0" dirty="0">
+                <a:latin typeface="Calibri" panose="020F0502020204030204" pitchFamily="34" charset="0"/>
+              </a:rPr>
+              <a:t>SORTING PROBLEM</a:t>
+            </a:r>
+          </a:p>
+          <a:p>
+            <a:pPr marR="0" algn="just"/>
+            <a:r>
+              <a:rPr lang="en-US" sz="2400" b="1" i="0" u="none" strike="noStrike" baseline="0" dirty="0">
+                <a:latin typeface="Calibri" panose="020F0502020204030204" pitchFamily="34" charset="0"/>
+              </a:rPr>
+              <a:t>Input</a:t>
+            </a:r>
+            <a:r>
+              <a:rPr lang="en-US" sz="2400" b="0" i="0" u="none" strike="noStrike" baseline="0" dirty="0">
+                <a:latin typeface="Calibri" panose="020F0502020204030204" pitchFamily="34" charset="0"/>
+              </a:rPr>
+              <a:t>: A sequence of n number(a1,a2,…,an)</a:t>
+            </a:r>
+          </a:p>
+          <a:p>
+            <a:pPr marR="0" algn="just"/>
+            <a:r>
+              <a:rPr lang="en-US" sz="2400" b="1" i="0" u="none" strike="noStrike" baseline="0" dirty="0">
+                <a:latin typeface="Calibri" panose="020F0502020204030204" pitchFamily="34" charset="0"/>
+              </a:rPr>
+              <a:t>Output</a:t>
+            </a:r>
+            <a:r>
+              <a:rPr lang="en-US" sz="2400" b="0" i="0" u="none" strike="noStrike" baseline="0" dirty="0">
+                <a:latin typeface="Calibri" panose="020F0502020204030204" pitchFamily="34" charset="0"/>
+              </a:rPr>
+              <a:t>: A permutation(reordering)(a1’,a2’,…,an’)of the input sequence such that a1’≤a2’≤…≤an’</a:t>
+            </a:r>
+          </a:p>
+          <a:p>
+            <a:pPr marR="0" algn="just"/>
+            <a:r>
+              <a:rPr lang="en-US" sz="2400" b="1" i="0" u="none" strike="noStrike" baseline="0" dirty="0">
+                <a:latin typeface="Calibri" panose="020F0502020204030204" pitchFamily="34" charset="0"/>
+              </a:rPr>
+              <a:t>EX</a:t>
+            </a:r>
+            <a:r>
+              <a:rPr lang="en-US" sz="2400" b="0" i="0" u="none" strike="noStrike" baseline="0" dirty="0">
+                <a:latin typeface="Calibri" panose="020F0502020204030204" pitchFamily="34" charset="0"/>
+              </a:rPr>
+              <a:t>: give nan input(5,4,1,3,2), a sorting algorithm return the output(1,2,3,4,5)</a:t>
+            </a:r>
+          </a:p>
+          <a:p>
+            <a:pPr marR="0" algn="just"/>
+            <a:r>
+              <a:rPr lang="en-US" sz="2400" b="0" i="0" u="none" strike="noStrike" baseline="0" dirty="0">
+                <a:latin typeface="Calibri" panose="020F0502020204030204" pitchFamily="34" charset="0"/>
+              </a:rPr>
+              <a:t>The input sequence,(5,4,1,3,2),is called an </a:t>
+            </a:r>
+            <a:r>
+              <a:rPr lang="en-US" sz="2400" b="1" i="0" u="none" strike="noStrike" baseline="0" dirty="0">
+                <a:latin typeface="Calibri" panose="020F0502020204030204" pitchFamily="34" charset="0"/>
+              </a:rPr>
+              <a:t>instance </a:t>
+            </a:r>
+            <a:r>
+              <a:rPr lang="en-US" sz="2400" b="0" i="0" u="none" strike="noStrike" baseline="0" dirty="0">
+                <a:latin typeface="Calibri" panose="020F0502020204030204" pitchFamily="34" charset="0"/>
+              </a:rPr>
+              <a:t>of the sorting problem.</a:t>
+            </a:r>
+          </a:p>
+          <a:p>
+            <a:pPr marR="0" algn="just"/>
+            <a:r>
+              <a:rPr lang="en-US" sz="2400" b="0" i="0" u="none" strike="noStrike" baseline="0" dirty="0">
+                <a:latin typeface="Calibri" panose="020F0502020204030204" pitchFamily="34" charset="0"/>
+              </a:rPr>
+              <a:t>An </a:t>
+            </a:r>
+            <a:r>
+              <a:rPr lang="en-US" sz="2400" b="1" i="0" u="none" strike="noStrike" baseline="0" dirty="0">
+                <a:latin typeface="Calibri" panose="020F0502020204030204" pitchFamily="34" charset="0"/>
+              </a:rPr>
+              <a:t>INSTANCE OF A PROBLEM </a:t>
+            </a:r>
+            <a:r>
+              <a:rPr lang="en-US" sz="2400" b="0" i="0" u="none" strike="noStrike" baseline="0" dirty="0">
+                <a:latin typeface="Calibri" panose="020F0502020204030204" pitchFamily="34" charset="0"/>
+              </a:rPr>
+              <a:t>consists of the input needed to compute the solution of the problem. </a:t>
+            </a:r>
+          </a:p>
+          <a:p>
             <a:endParaRPr lang="en-US" dirty="0"/>
           </a:p>
         </p:txBody>
       </p:sp>
-      <p:sp>
-        <p:nvSpPr>
-          <p:cNvPr id="3" name="Content Placeholder 2">
-            <a:extLst>
-              <a:ext uri="{FF2B5EF4-FFF2-40B4-BE49-F238E27FC236}">
-                <a16:creationId xmlns:a16="http://schemas.microsoft.com/office/drawing/2014/main" id="{B99344FB-9B5A-8F63-8E94-ECDC0B5F4D51}"/>
-              </a:ext>
-            </a:extLst>
-          </p:cNvPr>
-          <p:cNvSpPr>
-            <a:spLocks noGrp="1"/>
-          </p:cNvSpPr>
-          <p:nvPr>
-            <p:ph idx="1"/>
-          </p:nvPr>
-        </p:nvSpPr>
-        <p:spPr/>
-        <p:txBody>
-          <a:bodyPr/>
-          <a:lstStyle/>
-          <a:p>
-            <a:endParaRPr lang="en-US" dirty="0"/>
-          </a:p>
-        </p:txBody>
-      </p:sp>
-      <p:pic>
-        <p:nvPicPr>
-          <p:cNvPr id="9" name="Picture 8">
-            <a:extLst>
-              <a:ext uri="{FF2B5EF4-FFF2-40B4-BE49-F238E27FC236}">
-                <a16:creationId xmlns:a16="http://schemas.microsoft.com/office/drawing/2014/main" id="{D18A088B-4B3D-C35A-6316-C6113EBCB962}"/>
-              </a:ext>
-            </a:extLst>
-          </p:cNvPr>
-          <p:cNvPicPr>
-            <a:picLocks noChangeAspect="1"/>
-          </p:cNvPicPr>
-          <p:nvPr/>
-        </p:nvPicPr>
-        <p:blipFill>
-          <a:blip r:embed="rId2"/>
-          <a:stretch>
-            <a:fillRect/>
-          </a:stretch>
-        </p:blipFill>
-        <p:spPr>
-          <a:xfrm>
-            <a:off x="968828" y="65932"/>
-            <a:ext cx="10022633" cy="6792068"/>
-          </a:xfrm>
-          <a:prstGeom prst="rect">
-            <a:avLst/>
-          </a:prstGeom>
-        </p:spPr>
-      </p:pic>
     </p:spTree>
     <p:extLst>
       <p:ext uri="{BB962C8B-B14F-4D97-AF65-F5344CB8AC3E}">
-        <p14:creationId xmlns:p14="http://schemas.microsoft.com/office/powerpoint/2010/main" val="212810973"/>
+        <p14:creationId xmlns:p14="http://schemas.microsoft.com/office/powerpoint/2010/main" val="2506663321"/>
       </p:ext>
     </p:extLst>
   </p:cSld>
@@ -3650,7 +3739,7 @@
           <p:cNvPr id="2" name="Title 1">
             <a:extLst>
               <a:ext uri="{FF2B5EF4-FFF2-40B4-BE49-F238E27FC236}">
-                <a16:creationId xmlns:a16="http://schemas.microsoft.com/office/drawing/2014/main" id="{892ABFE7-9B25-A53E-6670-A8ADA14834EF}"/>
+                <a16:creationId xmlns:a16="http://schemas.microsoft.com/office/drawing/2014/main" id="{68168BB8-6436-8936-81DD-AAEDBA54DD36}"/>
               </a:ext>
             </a:extLst>
           </p:cNvPr>
@@ -3663,195 +3752,9 @@
         </p:nvSpPr>
         <p:spPr/>
         <p:txBody>
-          <a:bodyPr/>
-          <a:lstStyle/>
-          <a:p>
-            <a:r>
-              <a:rPr lang="en-US" dirty="0"/>
-              <a:t>Sorting problem</a:t>
-            </a:r>
-          </a:p>
-        </p:txBody>
-      </p:sp>
-      <p:sp>
-        <p:nvSpPr>
-          <p:cNvPr id="3" name="Content Placeholder 2">
-            <a:extLst>
-              <a:ext uri="{FF2B5EF4-FFF2-40B4-BE49-F238E27FC236}">
-                <a16:creationId xmlns:a16="http://schemas.microsoft.com/office/drawing/2014/main" id="{8CCED465-BC4C-7CB7-7506-DA5A9C73255A}"/>
-              </a:ext>
-            </a:extLst>
-          </p:cNvPr>
-          <p:cNvSpPr>
-            <a:spLocks noGrp="1"/>
-          </p:cNvSpPr>
-          <p:nvPr>
-            <p:ph idx="1"/>
-          </p:nvPr>
-        </p:nvSpPr>
-        <p:spPr/>
-        <p:txBody>
-          <a:bodyPr/>
-          <a:lstStyle/>
-          <a:p>
-            <a:pPr algn="l"/>
-            <a:endParaRPr lang="en-US" sz="2000" b="0" i="0" u="none" strike="noStrike" baseline="0" dirty="0">
-              <a:solidFill>
-                <a:srgbClr val="000000"/>
-              </a:solidFill>
-              <a:latin typeface="Calibri" panose="020F0502020204030204" pitchFamily="34" charset="0"/>
-            </a:endParaRPr>
-          </a:p>
-          <a:p>
-            <a:pPr marR="75300" algn="just"/>
-            <a:r>
-              <a:rPr lang="en-US" sz="2400" b="0" i="0" u="none" strike="noStrike" baseline="0" dirty="0">
-                <a:latin typeface="Calibri" panose="020F0502020204030204" pitchFamily="34" charset="0"/>
-              </a:rPr>
-              <a:t>SORTING PROBLEM</a:t>
-            </a:r>
-          </a:p>
-          <a:p>
-            <a:pPr marR="0" algn="just"/>
-            <a:r>
-              <a:rPr lang="en-US" sz="2400" b="1" i="0" u="none" strike="noStrike" baseline="0" dirty="0">
-                <a:latin typeface="Calibri" panose="020F0502020204030204" pitchFamily="34" charset="0"/>
-              </a:rPr>
-              <a:t>Input</a:t>
-            </a:r>
-            <a:r>
-              <a:rPr lang="en-US" sz="2400" b="0" i="0" u="none" strike="noStrike" baseline="0" dirty="0">
-                <a:latin typeface="Calibri" panose="020F0502020204030204" pitchFamily="34" charset="0"/>
-              </a:rPr>
-              <a:t>: A sequence of n number(a1,a2,…,an)</a:t>
-            </a:r>
-          </a:p>
-          <a:p>
-            <a:pPr marR="0" algn="just"/>
-            <a:r>
-              <a:rPr lang="en-US" sz="2400" b="1" i="0" u="none" strike="noStrike" baseline="0" dirty="0">
-                <a:latin typeface="Calibri" panose="020F0502020204030204" pitchFamily="34" charset="0"/>
-              </a:rPr>
-              <a:t>Output</a:t>
-            </a:r>
-            <a:r>
-              <a:rPr lang="en-US" sz="2400" b="0" i="0" u="none" strike="noStrike" baseline="0" dirty="0">
-                <a:latin typeface="Calibri" panose="020F0502020204030204" pitchFamily="34" charset="0"/>
-              </a:rPr>
-              <a:t>: A permutation(reordering)(a1’,a2’,…,an’)of the input sequence such that a1’≤a2’≤…≤an’</a:t>
-            </a:r>
-          </a:p>
-          <a:p>
-            <a:pPr marR="0" algn="just"/>
-            <a:r>
-              <a:rPr lang="en-US" sz="2400" b="1" i="0" u="none" strike="noStrike" baseline="0" dirty="0">
-                <a:latin typeface="Calibri" panose="020F0502020204030204" pitchFamily="34" charset="0"/>
-              </a:rPr>
-              <a:t>EX</a:t>
-            </a:r>
-            <a:r>
-              <a:rPr lang="en-US" sz="2400" b="0" i="0" u="none" strike="noStrike" baseline="0" dirty="0">
-                <a:latin typeface="Calibri" panose="020F0502020204030204" pitchFamily="34" charset="0"/>
-              </a:rPr>
-              <a:t>: give nan input(5,4,1,3,2), a sorting algorithm return the output(1,2,3,4,5)</a:t>
-            </a:r>
-          </a:p>
-          <a:p>
-            <a:pPr marR="0" algn="just"/>
-            <a:r>
-              <a:rPr lang="en-US" sz="2400" b="0" i="0" u="none" strike="noStrike" baseline="0" dirty="0">
-                <a:latin typeface="Calibri" panose="020F0502020204030204" pitchFamily="34" charset="0"/>
-              </a:rPr>
-              <a:t>The input sequence,(5,4,1,3,2),is called an </a:t>
-            </a:r>
-            <a:r>
-              <a:rPr lang="en-US" sz="2400" b="1" i="0" u="none" strike="noStrike" baseline="0" dirty="0">
-                <a:latin typeface="Calibri" panose="020F0502020204030204" pitchFamily="34" charset="0"/>
-              </a:rPr>
-              <a:t>instance </a:t>
-            </a:r>
-            <a:r>
-              <a:rPr lang="en-US" sz="2400" b="0" i="0" u="none" strike="noStrike" baseline="0" dirty="0">
-                <a:latin typeface="Calibri" panose="020F0502020204030204" pitchFamily="34" charset="0"/>
-              </a:rPr>
-              <a:t>of the sorting problem.</a:t>
-            </a:r>
-          </a:p>
-          <a:p>
-            <a:pPr marR="0" algn="just"/>
-            <a:r>
-              <a:rPr lang="en-US" sz="2400" b="0" i="0" u="none" strike="noStrike" baseline="0" dirty="0">
-                <a:latin typeface="Calibri" panose="020F0502020204030204" pitchFamily="34" charset="0"/>
-              </a:rPr>
-              <a:t>An </a:t>
-            </a:r>
-            <a:r>
-              <a:rPr lang="en-US" sz="2400" b="1" i="0" u="none" strike="noStrike" baseline="0" dirty="0">
-                <a:latin typeface="Calibri" panose="020F0502020204030204" pitchFamily="34" charset="0"/>
-              </a:rPr>
-              <a:t>INSTANCE OF A PROBLEM </a:t>
-            </a:r>
-            <a:r>
-              <a:rPr lang="en-US" sz="2400" b="0" i="0" u="none" strike="noStrike" baseline="0" dirty="0">
-                <a:latin typeface="Calibri" panose="020F0502020204030204" pitchFamily="34" charset="0"/>
-              </a:rPr>
-              <a:t>consists of the input needed to compute the solution of the problem. </a:t>
-            </a:r>
-          </a:p>
-          <a:p>
-            <a:endParaRPr lang="en-US" dirty="0"/>
-          </a:p>
-        </p:txBody>
-      </p:sp>
-    </p:spTree>
-    <p:extLst>
-      <p:ext uri="{BB962C8B-B14F-4D97-AF65-F5344CB8AC3E}">
-        <p14:creationId xmlns:p14="http://schemas.microsoft.com/office/powerpoint/2010/main" val="2506663321"/>
-      </p:ext>
-    </p:extLst>
-  </p:cSld>
-  <p:clrMapOvr>
-    <a:masterClrMapping/>
-  </p:clrMapOvr>
-</p:sld>
-</file>
-
-<file path=ppt/slides/slide13.xml><?xml version="1.0" encoding="utf-8"?>
-<p:sld xmlns:a="http://schemas.openxmlformats.org/drawingml/2006/main" xmlns:r="http://schemas.openxmlformats.org/officeDocument/2006/relationships" xmlns:p="http://schemas.openxmlformats.org/presentationml/2006/main">
-  <p:cSld>
-    <p:spTree>
-      <p:nvGrpSpPr>
-        <p:cNvPr id="1" name=""/>
-        <p:cNvGrpSpPr/>
-        <p:nvPr/>
-      </p:nvGrpSpPr>
-      <p:grpSpPr>
-        <a:xfrm>
-          <a:off x="0" y="0"/>
-          <a:ext cx="0" cy="0"/>
-          <a:chOff x="0" y="0"/>
-          <a:chExt cx="0" cy="0"/>
-        </a:xfrm>
-      </p:grpSpPr>
-      <p:sp>
-        <p:nvSpPr>
-          <p:cNvPr id="2" name="Title 1">
-            <a:extLst>
-              <a:ext uri="{FF2B5EF4-FFF2-40B4-BE49-F238E27FC236}">
-                <a16:creationId xmlns:a16="http://schemas.microsoft.com/office/drawing/2014/main" id="{68168BB8-6436-8936-81DD-AAEDBA54DD36}"/>
-              </a:ext>
-            </a:extLst>
-          </p:cNvPr>
-          <p:cNvSpPr>
-            <a:spLocks noGrp="1"/>
-          </p:cNvSpPr>
-          <p:nvPr>
-            <p:ph type="title"/>
-          </p:nvPr>
-        </p:nvSpPr>
-        <p:spPr/>
-        <p:txBody>
-          <a:bodyPr/>
+          <a:bodyPr>
+            <a:normAutofit/>
+          </a:bodyPr>
           <a:lstStyle/>
           <a:p>
             <a:r>
@@ -3929,6 +3832,65 @@
 </p:sld>
 </file>
 
+<file path=ppt/slides/slide13.xml><?xml version="1.0" encoding="utf-8"?>
+<p:sld xmlns:a="http://schemas.openxmlformats.org/drawingml/2006/main" xmlns:r="http://schemas.openxmlformats.org/officeDocument/2006/relationships" xmlns:p="http://schemas.openxmlformats.org/presentationml/2006/main">
+  <p:cSld>
+    <p:spTree>
+      <p:nvGrpSpPr>
+        <p:cNvPr id="1" name=""/>
+        <p:cNvGrpSpPr/>
+        <p:nvPr/>
+      </p:nvGrpSpPr>
+      <p:grpSpPr>
+        <a:xfrm>
+          <a:off x="0" y="0"/>
+          <a:ext cx="0" cy="0"/>
+          <a:chOff x="0" y="0"/>
+          <a:chExt cx="0" cy="0"/>
+        </a:xfrm>
+      </p:grpSpPr>
+      <p:pic>
+        <p:nvPicPr>
+          <p:cNvPr id="5" name="Content Placeholder 4">
+            <a:extLst>
+              <a:ext uri="{FF2B5EF4-FFF2-40B4-BE49-F238E27FC236}">
+                <a16:creationId xmlns:a16="http://schemas.microsoft.com/office/drawing/2014/main" id="{BF3DEE53-1723-0FF8-AC9B-4E67D7C3635E}"/>
+              </a:ext>
+            </a:extLst>
+          </p:cNvPr>
+          <p:cNvPicPr>
+            <a:picLocks noGrp="1" noChangeAspect="1"/>
+          </p:cNvPicPr>
+          <p:nvPr>
+            <p:ph idx="1"/>
+          </p:nvPr>
+        </p:nvPicPr>
+        <p:blipFill>
+          <a:blip r:embed="rId2"/>
+          <a:stretch>
+            <a:fillRect/>
+          </a:stretch>
+        </p:blipFill>
+        <p:spPr>
+          <a:xfrm>
+            <a:off x="2011680" y="268750"/>
+            <a:ext cx="7896551" cy="5862493"/>
+          </a:xfrm>
+        </p:spPr>
+      </p:pic>
+    </p:spTree>
+    <p:extLst>
+      <p:ext uri="{BB962C8B-B14F-4D97-AF65-F5344CB8AC3E}">
+        <p14:creationId xmlns:p14="http://schemas.microsoft.com/office/powerpoint/2010/main" val="1003577889"/>
+      </p:ext>
+    </p:extLst>
+  </p:cSld>
+  <p:clrMapOvr>
+    <a:masterClrMapping/>
+  </p:clrMapOvr>
+</p:sld>
+</file>
+
 <file path=ppt/slides/slide14.xml><?xml version="1.0" encoding="utf-8"?>
 <p:sld xmlns:a="http://schemas.openxmlformats.org/drawingml/2006/main" xmlns:r="http://schemas.openxmlformats.org/officeDocument/2006/relationships" xmlns:p="http://schemas.openxmlformats.org/presentationml/2006/main">
   <p:cSld>
@@ -3946,6 +3908,65 @@
           <a:chExt cx="0" cy="0"/>
         </a:xfrm>
       </p:grpSpPr>
+      <p:pic>
+        <p:nvPicPr>
+          <p:cNvPr id="5" name="Content Placeholder 4">
+            <a:extLst>
+              <a:ext uri="{FF2B5EF4-FFF2-40B4-BE49-F238E27FC236}">
+                <a16:creationId xmlns:a16="http://schemas.microsoft.com/office/drawing/2014/main" id="{0D5DC7FE-60E3-0F2D-2248-02DFB11B7821}"/>
+              </a:ext>
+            </a:extLst>
+          </p:cNvPr>
+          <p:cNvPicPr>
+            <a:picLocks noGrp="1" noChangeAspect="1"/>
+          </p:cNvPicPr>
+          <p:nvPr>
+            <p:ph idx="1"/>
+          </p:nvPr>
+        </p:nvPicPr>
+        <p:blipFill>
+          <a:blip r:embed="rId2"/>
+          <a:stretch>
+            <a:fillRect/>
+          </a:stretch>
+        </p:blipFill>
+        <p:spPr>
+          <a:xfrm>
+            <a:off x="1371600" y="687990"/>
+            <a:ext cx="8943586" cy="5810233"/>
+          </a:xfrm>
+        </p:spPr>
+      </p:pic>
+    </p:spTree>
+    <p:extLst>
+      <p:ext uri="{BB962C8B-B14F-4D97-AF65-F5344CB8AC3E}">
+        <p14:creationId xmlns:p14="http://schemas.microsoft.com/office/powerpoint/2010/main" val="358287242"/>
+      </p:ext>
+    </p:extLst>
+  </p:cSld>
+  <p:clrMapOvr>
+    <a:masterClrMapping/>
+  </p:clrMapOvr>
+</p:sld>
+</file>
+
+<file path=ppt/slides/slide15.xml><?xml version="1.0" encoding="utf-8"?>
+<p:sld xmlns:a="http://schemas.openxmlformats.org/drawingml/2006/main" xmlns:r="http://schemas.openxmlformats.org/officeDocument/2006/relationships" xmlns:p="http://schemas.openxmlformats.org/presentationml/2006/main">
+  <p:cSld>
+    <p:spTree>
+      <p:nvGrpSpPr>
+        <p:cNvPr id="1" name=""/>
+        <p:cNvGrpSpPr/>
+        <p:nvPr/>
+      </p:nvGrpSpPr>
+      <p:grpSpPr>
+        <a:xfrm>
+          <a:off x="0" y="0"/>
+          <a:ext cx="0" cy="0"/>
+          <a:chOff x="0" y="0"/>
+          <a:chExt cx="0" cy="0"/>
+        </a:xfrm>
+      </p:grpSpPr>
       <p:sp>
         <p:nvSpPr>
           <p:cNvPr id="2" name="Title 1">
@@ -3964,7 +3985,9 @@
         </p:nvSpPr>
         <p:spPr/>
         <p:txBody>
-          <a:bodyPr/>
+          <a:bodyPr>
+            <a:normAutofit/>
+          </a:bodyPr>
           <a:lstStyle/>
           <a:p>
             <a:r>
@@ -4271,16 +4294,10 @@
           <a:p>
             <a:pPr marR="0" algn="just"/>
             <a:r>
-              <a:rPr lang="en-US" b="0" i="0" u="none" strike="noStrike" baseline="0">
-                <a:latin typeface="Calibri" panose="020F0502020204030204" pitchFamily="34" charset="0"/>
-              </a:rPr>
-              <a:t>Binary Tree</a:t>
-            </a:r>
-            <a:r>
               <a:rPr lang="en-US" b="0" i="0" u="none" strike="noStrike" baseline="0" dirty="0">
                 <a:latin typeface="Calibri" panose="020F0502020204030204" pitchFamily="34" charset="0"/>
               </a:rPr>
-              <a:t>,</a:t>
+              <a:t>Binary Tree,</a:t>
             </a:r>
             <a:r>
               <a:rPr lang="th-TH" b="0" i="0" u="none" strike="noStrike" baseline="0" dirty="0">
@@ -4364,6 +4381,373 @@
     <p:extLst>
       <p:ext uri="{BB962C8B-B14F-4D97-AF65-F5344CB8AC3E}">
         <p14:creationId xmlns:p14="http://schemas.microsoft.com/office/powerpoint/2010/main" val="4027829778"/>
+      </p:ext>
+    </p:extLst>
+  </p:cSld>
+  <p:clrMapOvr>
+    <a:masterClrMapping/>
+  </p:clrMapOvr>
+</p:sld>
+</file>
+
+<file path=ppt/slides/slide16.xml><?xml version="1.0" encoding="utf-8"?>
+<p:sld xmlns:a="http://schemas.openxmlformats.org/drawingml/2006/main" xmlns:r="http://schemas.openxmlformats.org/officeDocument/2006/relationships" xmlns:p="http://schemas.openxmlformats.org/presentationml/2006/main">
+  <p:cSld>
+    <p:spTree>
+      <p:nvGrpSpPr>
+        <p:cNvPr id="1" name=""/>
+        <p:cNvGrpSpPr/>
+        <p:nvPr/>
+      </p:nvGrpSpPr>
+      <p:grpSpPr>
+        <a:xfrm>
+          <a:off x="0" y="0"/>
+          <a:ext cx="0" cy="0"/>
+          <a:chOff x="0" y="0"/>
+          <a:chExt cx="0" cy="0"/>
+        </a:xfrm>
+      </p:grpSpPr>
+      <p:sp>
+        <p:nvSpPr>
+          <p:cNvPr id="2" name="Title 1">
+            <a:extLst>
+              <a:ext uri="{FF2B5EF4-FFF2-40B4-BE49-F238E27FC236}">
+                <a16:creationId xmlns:a16="http://schemas.microsoft.com/office/drawing/2014/main" id="{6C972520-59ED-EA69-82ED-FEE1688151C7}"/>
+              </a:ext>
+            </a:extLst>
+          </p:cNvPr>
+          <p:cNvSpPr>
+            <a:spLocks noGrp="1"/>
+          </p:cNvSpPr>
+          <p:nvPr>
+            <p:ph type="title"/>
+          </p:nvPr>
+        </p:nvSpPr>
+        <p:spPr/>
+        <p:txBody>
+          <a:bodyPr/>
+          <a:lstStyle/>
+          <a:p>
+            <a:r>
+              <a:rPr lang="en-US" dirty="0"/>
+              <a:t>Quick Sort</a:t>
+            </a:r>
+          </a:p>
+        </p:txBody>
+      </p:sp>
+      <p:sp>
+        <p:nvSpPr>
+          <p:cNvPr id="3" name="Content Placeholder 2">
+            <a:extLst>
+              <a:ext uri="{FF2B5EF4-FFF2-40B4-BE49-F238E27FC236}">
+                <a16:creationId xmlns:a16="http://schemas.microsoft.com/office/drawing/2014/main" id="{0B1F0C5A-802F-3DE6-AF51-B8246B300878}"/>
+              </a:ext>
+            </a:extLst>
+          </p:cNvPr>
+          <p:cNvSpPr>
+            <a:spLocks noGrp="1"/>
+          </p:cNvSpPr>
+          <p:nvPr>
+            <p:ph idx="1"/>
+          </p:nvPr>
+        </p:nvSpPr>
+        <p:spPr/>
+        <p:txBody>
+          <a:bodyPr/>
+          <a:lstStyle/>
+          <a:p>
+            <a:r>
+              <a:rPr lang="en-US" dirty="0"/>
+              <a:t>A popular and efficient sorting algorithm that uses the </a:t>
+            </a:r>
+            <a:r>
+              <a:rPr lang="en-US" b="1" dirty="0"/>
+              <a:t>divide-and-conquer</a:t>
+            </a:r>
+            <a:r>
+              <a:rPr lang="en-US" dirty="0"/>
+              <a:t> strategy. </a:t>
+            </a:r>
+          </a:p>
+          <a:p>
+            <a:r>
+              <a:rPr lang="en-US" dirty="0"/>
+              <a:t>Developed by Tony Hoare in 1959 and is widely used because of its performance in practical scenarios. </a:t>
+            </a:r>
+          </a:p>
+        </p:txBody>
+      </p:sp>
+    </p:spTree>
+    <p:extLst>
+      <p:ext uri="{BB962C8B-B14F-4D97-AF65-F5344CB8AC3E}">
+        <p14:creationId xmlns:p14="http://schemas.microsoft.com/office/powerpoint/2010/main" val="2367396401"/>
+      </p:ext>
+    </p:extLst>
+  </p:cSld>
+  <p:clrMapOvr>
+    <a:masterClrMapping/>
+  </p:clrMapOvr>
+</p:sld>
+</file>
+
+<file path=ppt/slides/slide17.xml><?xml version="1.0" encoding="utf-8"?>
+<p:sld xmlns:a="http://schemas.openxmlformats.org/drawingml/2006/main" xmlns:r="http://schemas.openxmlformats.org/officeDocument/2006/relationships" xmlns:p="http://schemas.openxmlformats.org/presentationml/2006/main">
+  <p:cSld>
+    <p:spTree>
+      <p:nvGrpSpPr>
+        <p:cNvPr id="1" name=""/>
+        <p:cNvGrpSpPr/>
+        <p:nvPr/>
+      </p:nvGrpSpPr>
+      <p:grpSpPr>
+        <a:xfrm>
+          <a:off x="0" y="0"/>
+          <a:ext cx="0" cy="0"/>
+          <a:chOff x="0" y="0"/>
+          <a:chExt cx="0" cy="0"/>
+        </a:xfrm>
+      </p:grpSpPr>
+      <p:sp>
+        <p:nvSpPr>
+          <p:cNvPr id="2" name="Title 1">
+            <a:extLst>
+              <a:ext uri="{FF2B5EF4-FFF2-40B4-BE49-F238E27FC236}">
+                <a16:creationId xmlns:a16="http://schemas.microsoft.com/office/drawing/2014/main" id="{889972F7-EF09-57C8-6359-3D7833DF953C}"/>
+              </a:ext>
+            </a:extLst>
+          </p:cNvPr>
+          <p:cNvSpPr>
+            <a:spLocks noGrp="1"/>
+          </p:cNvSpPr>
+          <p:nvPr>
+            <p:ph type="title"/>
+          </p:nvPr>
+        </p:nvSpPr>
+        <p:spPr/>
+        <p:txBody>
+          <a:bodyPr/>
+          <a:lstStyle/>
+          <a:p>
+            <a:r>
+              <a:rPr lang="en-US" b="1" dirty="0"/>
+              <a:t>Steps of Quicksort:</a:t>
+            </a:r>
+          </a:p>
+        </p:txBody>
+      </p:sp>
+      <p:sp>
+        <p:nvSpPr>
+          <p:cNvPr id="3" name="Content Placeholder 2">
+            <a:extLst>
+              <a:ext uri="{FF2B5EF4-FFF2-40B4-BE49-F238E27FC236}">
+                <a16:creationId xmlns:a16="http://schemas.microsoft.com/office/drawing/2014/main" id="{E1755293-6A07-33A9-434D-151D86AFEA5A}"/>
+              </a:ext>
+            </a:extLst>
+          </p:cNvPr>
+          <p:cNvSpPr>
+            <a:spLocks noGrp="1"/>
+          </p:cNvSpPr>
+          <p:nvPr>
+            <p:ph idx="1"/>
+          </p:nvPr>
+        </p:nvSpPr>
+        <p:spPr/>
+        <p:txBody>
+          <a:bodyPr>
+            <a:normAutofit fontScale="92500" lnSpcReduction="20000"/>
+          </a:bodyPr>
+          <a:lstStyle/>
+          <a:p>
+            <a:pPr>
+              <a:buFont typeface="+mj-lt"/>
+              <a:buAutoNum type="arabicPeriod"/>
+            </a:pPr>
+            <a:r>
+              <a:rPr lang="en-US" b="1" dirty="0"/>
+              <a:t>Choose a Pivot</a:t>
+            </a:r>
+            <a:r>
+              <a:rPr lang="en-US" dirty="0"/>
+              <a:t>: Select an element from the array as the pivot. This could be the first element, last element, middle element, or even a random element (the choice of pivot affects performance but doesn't change the correctness).</a:t>
+            </a:r>
+          </a:p>
+          <a:p>
+            <a:pPr>
+              <a:buFont typeface="+mj-lt"/>
+              <a:buAutoNum type="arabicPeriod"/>
+            </a:pPr>
+            <a:r>
+              <a:rPr lang="en-US" b="1" dirty="0"/>
+              <a:t>Partitioning the Array</a:t>
+            </a:r>
+            <a:r>
+              <a:rPr lang="en-US" dirty="0"/>
+              <a:t>:</a:t>
+            </a:r>
+          </a:p>
+          <a:p>
+            <a:pPr marL="742950" lvl="1" indent="-285750">
+              <a:buFont typeface="+mj-lt"/>
+              <a:buAutoNum type="arabicPeriod"/>
+            </a:pPr>
+            <a:r>
+              <a:rPr lang="en-US" dirty="0"/>
+              <a:t>Compare each element of the array with the pivot.</a:t>
+            </a:r>
+          </a:p>
+          <a:p>
+            <a:pPr marL="742950" lvl="1" indent="-285750">
+              <a:buFont typeface="+mj-lt"/>
+              <a:buAutoNum type="arabicPeriod"/>
+            </a:pPr>
+            <a:r>
+              <a:rPr lang="en-US" dirty="0"/>
+              <a:t>Rearrange the elements so that all elements less than the pivot are moved to the left of the pivot and all elements greater than the pivot are moved to the right.</a:t>
+            </a:r>
+          </a:p>
+          <a:p>
+            <a:pPr>
+              <a:buFont typeface="+mj-lt"/>
+              <a:buAutoNum type="arabicPeriod"/>
+            </a:pPr>
+            <a:r>
+              <a:rPr lang="en-US" b="1" dirty="0"/>
+              <a:t>Recursion</a:t>
+            </a:r>
+            <a:r>
+              <a:rPr lang="en-US" dirty="0"/>
+              <a:t>: Apply quicksort recursively to the left and right subarrays (elements smaller and larger than the pivot).</a:t>
+            </a:r>
+          </a:p>
+          <a:p>
+            <a:pPr>
+              <a:buFont typeface="+mj-lt"/>
+              <a:buAutoNum type="arabicPeriod"/>
+            </a:pPr>
+            <a:r>
+              <a:rPr lang="en-US" b="1" dirty="0"/>
+              <a:t>Combine</a:t>
+            </a:r>
+            <a:r>
+              <a:rPr lang="en-US" dirty="0"/>
+              <a:t>: Since the array is sorted in-place during partitioning, no merging step is required. Once the recursive calls finish, the entire array will be sorted.</a:t>
+            </a:r>
+          </a:p>
+          <a:p>
+            <a:endParaRPr lang="en-US" dirty="0"/>
+          </a:p>
+        </p:txBody>
+      </p:sp>
+    </p:spTree>
+    <p:extLst>
+      <p:ext uri="{BB962C8B-B14F-4D97-AF65-F5344CB8AC3E}">
+        <p14:creationId xmlns:p14="http://schemas.microsoft.com/office/powerpoint/2010/main" val="3977700920"/>
+      </p:ext>
+    </p:extLst>
+  </p:cSld>
+  <p:clrMapOvr>
+    <a:masterClrMapping/>
+  </p:clrMapOvr>
+</p:sld>
+</file>
+
+<file path=ppt/slides/slide18.xml><?xml version="1.0" encoding="utf-8"?>
+<p:sld xmlns:a="http://schemas.openxmlformats.org/drawingml/2006/main" xmlns:r="http://schemas.openxmlformats.org/officeDocument/2006/relationships" xmlns:p="http://schemas.openxmlformats.org/presentationml/2006/main">
+  <p:cSld>
+    <p:spTree>
+      <p:nvGrpSpPr>
+        <p:cNvPr id="1" name=""/>
+        <p:cNvGrpSpPr/>
+        <p:nvPr/>
+      </p:nvGrpSpPr>
+      <p:grpSpPr>
+        <a:xfrm>
+          <a:off x="0" y="0"/>
+          <a:ext cx="0" cy="0"/>
+          <a:chOff x="0" y="0"/>
+          <a:chExt cx="0" cy="0"/>
+        </a:xfrm>
+      </p:grpSpPr>
+      <p:sp>
+        <p:nvSpPr>
+          <p:cNvPr id="2" name="Title 1">
+            <a:extLst>
+              <a:ext uri="{FF2B5EF4-FFF2-40B4-BE49-F238E27FC236}">
+                <a16:creationId xmlns:a16="http://schemas.microsoft.com/office/drawing/2014/main" id="{891C0501-FE57-E0A2-C224-632FDA8B2827}"/>
+              </a:ext>
+            </a:extLst>
+          </p:cNvPr>
+          <p:cNvSpPr>
+            <a:spLocks noGrp="1"/>
+          </p:cNvSpPr>
+          <p:nvPr>
+            <p:ph type="title"/>
+          </p:nvPr>
+        </p:nvSpPr>
+        <p:spPr/>
+        <p:txBody>
+          <a:bodyPr/>
+          <a:lstStyle/>
+          <a:p>
+            <a:r>
+              <a:rPr lang="en-US" dirty="0"/>
+              <a:t>Merge Sort</a:t>
+            </a:r>
+          </a:p>
+        </p:txBody>
+      </p:sp>
+      <p:sp>
+        <p:nvSpPr>
+          <p:cNvPr id="3" name="Content Placeholder 2">
+            <a:extLst>
+              <a:ext uri="{FF2B5EF4-FFF2-40B4-BE49-F238E27FC236}">
+                <a16:creationId xmlns:a16="http://schemas.microsoft.com/office/drawing/2014/main" id="{34883E3A-05B2-E194-D9D2-3D3A25AA7E57}"/>
+              </a:ext>
+            </a:extLst>
+          </p:cNvPr>
+          <p:cNvSpPr>
+            <a:spLocks noGrp="1"/>
+          </p:cNvSpPr>
+          <p:nvPr>
+            <p:ph idx="1"/>
+          </p:nvPr>
+        </p:nvSpPr>
+        <p:spPr/>
+        <p:txBody>
+          <a:bodyPr/>
+          <a:lstStyle/>
+          <a:p>
+            <a:r>
+              <a:rPr lang="en-US" dirty="0"/>
+              <a:t>Highly efficient sorting algorithm that uses a divide-and-conquer approach. </a:t>
+            </a:r>
+          </a:p>
+          <a:p>
+            <a:r>
+              <a:rPr lang="en-US" b="1" dirty="0"/>
+              <a:t>Partition the Array</a:t>
+            </a:r>
+            <a:r>
+              <a:rPr lang="en-US" dirty="0"/>
+              <a:t>: Rearrange the array elements so that elements less than the pivot are on the left side, and elements greater than the pivot are on the right side. The pivot element will be placed in its correct sorted position in this process.</a:t>
+            </a:r>
+          </a:p>
+          <a:p>
+            <a:r>
+              <a:rPr lang="en-US" b="1" dirty="0"/>
+              <a:t>Recursively Apply Quick Sort</a:t>
+            </a:r>
+            <a:r>
+              <a:rPr lang="en-US" dirty="0"/>
+              <a:t>: Apply the same process (choose a pivot, partition the array) to the left and right sub-arrays until the entire array is sorted.</a:t>
+            </a:r>
+          </a:p>
+        </p:txBody>
+      </p:sp>
+    </p:spTree>
+    <p:extLst>
+      <p:ext uri="{BB962C8B-B14F-4D97-AF65-F5344CB8AC3E}">
+        <p14:creationId xmlns:p14="http://schemas.microsoft.com/office/powerpoint/2010/main" val="4013303280"/>
       </p:ext>
     </p:extLst>
   </p:cSld>
